--- a/Workshop/3. Storage/Azure Storage and Cognitive Services.pptx
+++ b/Workshop/3. Storage/Azure Storage and Cognitive Services.pptx
@@ -16,7 +16,7 @@
     <p:sldId id="349" r:id="rId7"/>
     <p:sldId id="357" r:id="rId8"/>
     <p:sldId id="358" r:id="rId9"/>
-    <p:sldId id="350" r:id="rId10"/>
+    <p:sldId id="359" r:id="rId10"/>
     <p:sldId id="351" r:id="rId11"/>
     <p:sldId id="344" r:id="rId12"/>
     <p:sldId id="321" r:id="rId13"/>
@@ -221,7 +221,7 @@
           <a:p>
             <a:fld id="{49B60EF2-7028-489F-85D8-FE86CD7CF2A0}" type="datetimeFigureOut">
               <a:rPr lang="en-US" smtClean="0"/>
-              <a:t>6/22/2016</a:t>
+              <a:t>2/5/2017</a:t>
             </a:fld>
             <a:endParaRPr lang="en-US"/>
           </a:p>
@@ -1547,7 +1547,7 @@
                 <a:ea typeface="+mn-ea"/>
                 <a:cs typeface="+mn-cs"/>
               </a:rPr>
-              <a:t> includes features for working with Azure Storage, but richer functionality is available from third-party tools, many of which are free and some of which work cross-platform</a:t>
+              <a:t> includes features for working with Azure Storage, but richer functionality is available from third-party tools, many of which are free and some of which work cross-platform.</a:t>
             </a:r>
           </a:p>
           <a:p>
@@ -1963,23 +1963,7 @@
             </a:r>
             <a:r>
               <a:rPr lang="en-US" baseline="0" dirty="0" smtClean="0"/>
-              <a:t> be handed out to other people because they provide </a:t>
-            </a:r>
-            <a:r>
-              <a:rPr lang="en-US" baseline="0" dirty="0" smtClean="0"/>
-              <a:t>unrestricted </a:t>
-            </a:r>
-            <a:r>
-              <a:rPr lang="en-US" baseline="0" dirty="0" smtClean="0"/>
-              <a:t>access to a storage account. </a:t>
-            </a:r>
-            <a:r>
-              <a:rPr lang="en-US" baseline="0" dirty="0" smtClean="0"/>
-              <a:t>(They're useful for connecting other services that you create to your storage accounts, in which case they stay in Azure and are never divulged to the outside world.) SAS </a:t>
-            </a:r>
-            <a:r>
-              <a:rPr lang="en-US" baseline="0" dirty="0" smtClean="0"/>
-              <a:t>tokens are safer because they can be time-limited and set to provide read-only access. The best way to generate a SAS token is with Microsoft's cross-platform Azure Storage Explorer. For a real-world example of what happens when you fail to protect a storage account's access keys, see http://www.pcworld.com/article/2365602/hacker-puts-full-redundancy-codehosting-firm-out-of-business.html.</a:t>
+              <a:t> be handed out to other people because they provide unrestricted access to a storage account. (They're useful for connecting other services that you create to your storage accounts, in which case they stay in Azure and are never divulged to the outside world.) SAS tokens are safer because they can be time-limited and set to provide read-only access. The best way to generate a SAS token is with Microsoft's cross-platform Azure Storage Explorer. For a real-world example of what happens when you fail to protect a storage account's access keys, see http://www.pcworld.com/article/2365602/hacker-puts-full-redundancy-codehosting-firm-out-of-business.html.</a:t>
             </a:r>
             <a:endParaRPr lang="en-US" dirty="0" smtClean="0"/>
           </a:p>
@@ -2163,11 +2147,7 @@
             </a:r>
             <a:r>
               <a:rPr lang="en-US" baseline="0" dirty="0" smtClean="0"/>
-              <a:t> access key for the storage account or a valid SAS) can access its contents. However, setting the container's access policy to "Public Container" or "Public Blob" makes the container's blobs public. The difference between </a:t>
-            </a:r>
-            <a:r>
-              <a:rPr lang="en-US" baseline="0" dirty="0" smtClean="0"/>
-              <a:t>"Public Container" and "Public Blob" is that the latter allows the blobs in the container to be enumerated, while the latter does not.</a:t>
+              <a:t> access key for the storage account or a valid SAS) can access its contents. However, setting the container's access policy to "Public Container" or "Public Blob" makes the container's blobs public. The difference between "Public Container" and "Public Blob" is that the latter allows the blobs in the container to be enumerated, while the latter does not.</a:t>
             </a:r>
             <a:endParaRPr lang="en-US" dirty="0"/>
           </a:p>
@@ -2199,7 +2179,7 @@
     </p:spTree>
     <p:extLst>
       <p:ext uri="{BB962C8B-B14F-4D97-AF65-F5344CB8AC3E}">
-        <p14:creationId xmlns:p14="http://schemas.microsoft.com/office/powerpoint/2010/main" val="2687889035"/>
+        <p14:creationId xmlns:p14="http://schemas.microsoft.com/office/powerpoint/2010/main" val="2590363779"/>
       </p:ext>
     </p:extLst>
   </p:cSld>
@@ -2448,7 +2428,7 @@
           <a:p>
             <a:fld id="{0459C166-16D3-4A25-A2F8-C51E0E346B22}" type="datetimeFigureOut">
               <a:rPr lang="en-US" smtClean="0"/>
-              <a:t>6/22/2016</a:t>
+              <a:t>2/5/2017</a:t>
             </a:fld>
             <a:endParaRPr lang="en-US"/>
           </a:p>
@@ -2543,7 +2523,7 @@
           <a:p>
             <a:fld id="{0459C166-16D3-4A25-A2F8-C51E0E346B22}" type="datetimeFigureOut">
               <a:rPr lang="en-US" smtClean="0"/>
-              <a:t>6/22/2016</a:t>
+              <a:t>2/5/2017</a:t>
             </a:fld>
             <a:endParaRPr lang="en-US"/>
           </a:p>
@@ -2818,7 +2798,7 @@
           <a:p>
             <a:fld id="{0459C166-16D3-4A25-A2F8-C51E0E346B22}" type="datetimeFigureOut">
               <a:rPr lang="en-US" smtClean="0"/>
-              <a:t>6/22/2016</a:t>
+              <a:t>2/5/2017</a:t>
             </a:fld>
             <a:endParaRPr lang="en-US"/>
           </a:p>
@@ -3070,7 +3050,7 @@
           <a:p>
             <a:fld id="{0459C166-16D3-4A25-A2F8-C51E0E346B22}" type="datetimeFigureOut">
               <a:rPr lang="en-US" smtClean="0"/>
-              <a:t>6/22/2016</a:t>
+              <a:t>2/5/2017</a:t>
             </a:fld>
             <a:endParaRPr lang="en-US"/>
           </a:p>
@@ -3238,7 +3218,7 @@
           <a:p>
             <a:fld id="{0459C166-16D3-4A25-A2F8-C51E0E346B22}" type="datetimeFigureOut">
               <a:rPr lang="en-US" smtClean="0"/>
-              <a:t>6/22/2016</a:t>
+              <a:t>2/5/2017</a:t>
             </a:fld>
             <a:endParaRPr lang="en-US"/>
           </a:p>
@@ -3416,7 +3396,7 @@
           <a:p>
             <a:fld id="{0459C166-16D3-4A25-A2F8-C51E0E346B22}" type="datetimeFigureOut">
               <a:rPr lang="en-US" smtClean="0"/>
-              <a:t>6/22/2016</a:t>
+              <a:t>2/5/2017</a:t>
             </a:fld>
             <a:endParaRPr lang="en-US"/>
           </a:p>
@@ -5343,7 +5323,7 @@
           <a:p>
             <a:fld id="{0459C166-16D3-4A25-A2F8-C51E0E346B22}" type="datetimeFigureOut">
               <a:rPr lang="en-US" smtClean="0"/>
-              <a:t>6/22/2016</a:t>
+              <a:t>2/5/2017</a:t>
             </a:fld>
             <a:endParaRPr lang="en-US"/>
           </a:p>
@@ -10970,7 +10950,7 @@
             <a:fld id="{0459C166-16D3-4A25-A2F8-C51E0E346B22}" type="datetimeFigureOut">
               <a:rPr lang="en-US" smtClean="0"/>
               <a:pPr/>
-              <a:t>6/22/2016</a:t>
+              <a:t>2/5/2017</a:t>
             </a:fld>
             <a:endParaRPr lang="en-US"/>
           </a:p>
@@ -15032,7 +15012,7 @@
           <a:p>
             <a:fld id="{0459C166-16D3-4A25-A2F8-C51E0E346B22}" type="datetimeFigureOut">
               <a:rPr lang="en-US" smtClean="0"/>
-              <a:t>6/22/2016</a:t>
+              <a:t>2/5/2017</a:t>
             </a:fld>
             <a:endParaRPr lang="en-US"/>
           </a:p>
@@ -15396,7 +15376,7 @@
           <a:p>
             <a:fld id="{0459C166-16D3-4A25-A2F8-C51E0E346B22}" type="datetimeFigureOut">
               <a:rPr lang="en-US" smtClean="0"/>
-              <a:t>6/22/2016</a:t>
+              <a:t>2/5/2017</a:t>
             </a:fld>
             <a:endParaRPr lang="en-US"/>
           </a:p>
@@ -15513,7 +15493,7 @@
           <a:p>
             <a:fld id="{0459C166-16D3-4A25-A2F8-C51E0E346B22}" type="datetimeFigureOut">
               <a:rPr lang="en-US" smtClean="0"/>
-              <a:t>6/22/2016</a:t>
+              <a:t>2/5/2017</a:t>
             </a:fld>
             <a:endParaRPr lang="en-US"/>
           </a:p>
@@ -15724,7 +15704,7 @@
           <a:p>
             <a:fld id="{0459C166-16D3-4A25-A2F8-C51E0E346B22}" type="datetimeFigureOut">
               <a:rPr lang="en-US" smtClean="0"/>
-              <a:t>6/22/2016</a:t>
+              <a:t>2/5/2017</a:t>
             </a:fld>
             <a:endParaRPr lang="en-US"/>
           </a:p>
@@ -17132,7 +17112,7 @@
           <a:p>
             <a:r>
               <a:rPr lang="en-US" dirty="0" smtClean="0"/>
-              <a:t>Azure Storage Tools</a:t>
+              <a:t>Azure Storage Explorer</a:t>
             </a:r>
             <a:endParaRPr lang="en-US" dirty="0"/>
           </a:p>
@@ -17155,28 +17135,25 @@
           <a:p>
             <a:r>
               <a:rPr lang="en-US" dirty="0"/>
-              <a:t>Portal doesn't provide functionality for uploading </a:t>
+              <a:t>Free cross-platform tool for managing Azure Storage</a:t>
+            </a:r>
+          </a:p>
+          <a:p>
+            <a:r>
+              <a:rPr lang="en-US" dirty="0"/>
+              <a:t>http://storageexplorer.com</a:t>
             </a:r>
             <a:r>
               <a:rPr lang="en-US" dirty="0" smtClean="0"/>
-              <a:t>blobs</a:t>
-            </a:r>
-            <a:endParaRPr lang="en-US" dirty="0"/>
-          </a:p>
-          <a:p>
-            <a:r>
-              <a:rPr lang="en-US" dirty="0"/>
-              <a:t>Use free, third-party, cross-platform tools instead</a:t>
-            </a:r>
-          </a:p>
-          <a:p>
+              <a:t>/</a:t>
+            </a:r>
             <a:endParaRPr lang="en-US" dirty="0"/>
           </a:p>
         </p:txBody>
       </p:sp>
       <p:pic>
         <p:nvPicPr>
-          <p:cNvPr id="4" name="Picture 3"/>
+          <p:cNvPr id="8" name="Picture 7"/>
           <p:cNvPicPr>
             <a:picLocks noChangeAspect="1"/>
           </p:cNvPicPr>
@@ -17190,8 +17167,8 @@
         </p:blipFill>
         <p:spPr>
           <a:xfrm>
-            <a:off x="5917739" y="3516896"/>
-            <a:ext cx="5045393" cy="2557149"/>
+            <a:off x="3448650" y="2994661"/>
+            <a:ext cx="5294700" cy="3528254"/>
           </a:xfrm>
           <a:prstGeom prst="rect">
             <a:avLst/>
@@ -17208,126 +17185,6 @@
           </a:effectLst>
         </p:spPr>
       </p:pic>
-      <p:sp>
-        <p:nvSpPr>
-          <p:cNvPr id="5" name="TextBox 4"/>
-          <p:cNvSpPr txBox="1"/>
-          <p:nvPr/>
-        </p:nvSpPr>
-        <p:spPr>
-          <a:xfrm>
-            <a:off x="5917738" y="3178342"/>
-            <a:ext cx="5045394" cy="276999"/>
-          </a:xfrm>
-          <a:prstGeom prst="rect">
-            <a:avLst/>
-          </a:prstGeom>
-          <a:noFill/>
-        </p:spPr>
-        <p:txBody>
-          <a:bodyPr wrap="square" lIns="0" tIns="0" rIns="0" bIns="0" rtlCol="0">
-            <a:spAutoFit/>
-          </a:bodyPr>
-          <a:lstStyle/>
-          <a:p>
-            <a:pPr algn="ctr">
-              <a:lnSpc>
-                <a:spcPct val="90000"/>
-              </a:lnSpc>
-              <a:spcBef>
-                <a:spcPct val="20000"/>
-              </a:spcBef>
-              <a:buSzPct val="80000"/>
-            </a:pPr>
-            <a:r>
-              <a:rPr lang="en-US" sz="2000" dirty="0" smtClean="0">
-                <a:latin typeface="Segoe UI Light" panose="020B0502040204020203" pitchFamily="34" charset="0"/>
-                <a:cs typeface="Segoe UI Light" panose="020B0502040204020203" pitchFamily="34" charset="0"/>
-              </a:rPr>
-              <a:t>Azure Command-Line Interface (CLI)</a:t>
-            </a:r>
-          </a:p>
-        </p:txBody>
-      </p:sp>
-      <p:pic>
-        <p:nvPicPr>
-          <p:cNvPr id="6" name="Picture 5"/>
-          <p:cNvPicPr>
-            <a:picLocks noChangeAspect="1"/>
-          </p:cNvPicPr>
-          <p:nvPr/>
-        </p:nvPicPr>
-        <p:blipFill>
-          <a:blip r:embed="rId4"/>
-          <a:stretch>
-            <a:fillRect/>
-          </a:stretch>
-        </p:blipFill>
-        <p:spPr>
-          <a:xfrm>
-            <a:off x="1014518" y="3516896"/>
-            <a:ext cx="4110142" cy="2561686"/>
-          </a:xfrm>
-          <a:prstGeom prst="rect">
-            <a:avLst/>
-          </a:prstGeom>
-          <a:ln>
-            <a:noFill/>
-          </a:ln>
-          <a:effectLst>
-            <a:outerShdw blurRad="292100" dist="139700" dir="2700000" algn="tl" rotWithShape="0">
-              <a:srgbClr val="333333">
-                <a:alpha val="65000"/>
-              </a:srgbClr>
-            </a:outerShdw>
-          </a:effectLst>
-        </p:spPr>
-      </p:pic>
-      <p:sp>
-        <p:nvSpPr>
-          <p:cNvPr id="7" name="TextBox 6"/>
-          <p:cNvSpPr txBox="1"/>
-          <p:nvPr/>
-        </p:nvSpPr>
-        <p:spPr>
-          <a:xfrm>
-            <a:off x="1049812" y="3178341"/>
-            <a:ext cx="4074848" cy="276999"/>
-          </a:xfrm>
-          <a:prstGeom prst="rect">
-            <a:avLst/>
-          </a:prstGeom>
-          <a:noFill/>
-        </p:spPr>
-        <p:txBody>
-          <a:bodyPr wrap="square" lIns="0" tIns="0" rIns="0" bIns="0" rtlCol="0">
-            <a:spAutoFit/>
-          </a:bodyPr>
-          <a:lstStyle/>
-          <a:p>
-            <a:pPr algn="ctr">
-              <a:lnSpc>
-                <a:spcPct val="90000"/>
-              </a:lnSpc>
-              <a:spcBef>
-                <a:spcPct val="20000"/>
-              </a:spcBef>
-              <a:buSzPct val="80000"/>
-            </a:pPr>
-            <a:r>
-              <a:rPr lang="en-US" sz="2000" dirty="0" smtClean="0">
-                <a:latin typeface="Segoe UI Light" panose="020B0502040204020203" pitchFamily="34" charset="0"/>
-                <a:cs typeface="Segoe UI Light" panose="020B0502040204020203" pitchFamily="34" charset="0"/>
-              </a:rPr>
-              <a:t>Microsoft Azure Storage Explorer</a:t>
-            </a:r>
-            <a:endParaRPr lang="en-US" sz="2000" dirty="0">
-              <a:latin typeface="Segoe UI Light" panose="020B0502040204020203" pitchFamily="34" charset="0"/>
-              <a:cs typeface="Segoe UI Light" panose="020B0502040204020203" pitchFamily="34" charset="0"/>
-            </a:endParaRPr>
-          </a:p>
-        </p:txBody>
-      </p:sp>
     </p:spTree>
     <p:extLst>
       <p:ext uri="{BB962C8B-B14F-4D97-AF65-F5344CB8AC3E}">
@@ -21495,7 +21352,7 @@
                 <a:latin typeface="Segoe UI Light" panose="020B0502040204020203" pitchFamily="34" charset="0"/>
                 <a:cs typeface="Segoe UI Light" panose="020B0502040204020203" pitchFamily="34" charset="0"/>
               </a:rPr>
-              <a:t>Storage for any type of data, analogous to files in a file system, with individual blobs storing up to 1 TB of data</a:t>
+              <a:t>Storage for any type of data, analogous to files in a file system, with individual blobs storing up to 4.75 TB of data</a:t>
             </a:r>
             <a:endParaRPr lang="en-US" sz="2400" dirty="0">
               <a:gradFill>
@@ -25929,7 +25786,7 @@
           <a:p>
             <a:r>
               <a:rPr lang="en-US" dirty="0" smtClean="0"/>
-              <a:t>Maximum of 100 storage accounts per subscription</a:t>
+              <a:t>Maximum of 200 storage accounts per subscription</a:t>
             </a:r>
           </a:p>
           <a:p>
@@ -25961,7 +25818,7 @@
           <a:p>
             <a:r>
               <a:rPr lang="en-US" dirty="0" smtClean="0"/>
-              <a:t>Support optional 256-bit AES encryption (currently in preview)</a:t>
+              <a:t>Support optional 256-bit AES encryption for "data at rest"</a:t>
             </a:r>
           </a:p>
         </p:txBody>
@@ -26062,8 +25919,8 @@
         </p:nvSpPr>
         <p:spPr>
           <a:xfrm>
-            <a:off x="838200" y="1825625"/>
-            <a:ext cx="4658591" cy="4351338"/>
+            <a:off x="838201" y="1825625"/>
+            <a:ext cx="4695092" cy="4351338"/>
           </a:xfrm>
         </p:spPr>
         <p:txBody>
@@ -26117,19 +25974,12 @@
         </p:blipFill>
         <p:spPr>
           <a:xfrm>
-            <a:off x="6096000" y="1690688"/>
-            <a:ext cx="5257800" cy="4371975"/>
+            <a:off x="5810250" y="1825625"/>
+            <a:ext cx="5543550" cy="3438525"/>
           </a:xfrm>
           <a:prstGeom prst="rect">
             <a:avLst/>
           </a:prstGeom>
-          <a:ln>
-            <a:solidFill>
-              <a:schemeClr val="bg2">
-                <a:lumMod val="75000"/>
-              </a:schemeClr>
-            </a:solidFill>
-          </a:ln>
         </p:spPr>
       </p:pic>
     </p:spTree>
@@ -26537,7 +26387,7 @@
         <p:spPr>
           <a:xfrm>
             <a:off x="838200" y="1825625"/>
-            <a:ext cx="5552209" cy="4351338"/>
+            <a:ext cx="10626969" cy="4351338"/>
           </a:xfrm>
         </p:spPr>
         <p:txBody>
@@ -26548,12 +26398,6 @@
           <a:p>
             <a:r>
               <a:rPr lang="en-US" dirty="0" smtClean="0"/>
-              <a:t>Unlimited number of blob containers per storage account</a:t>
-            </a:r>
-          </a:p>
-          <a:p>
-            <a:r>
-              <a:rPr lang="en-US" dirty="0" smtClean="0"/>
               <a:t>Three </a:t>
             </a:r>
             <a:r>
@@ -26571,15 +26415,23 @@
           <a:p>
             <a:pPr lvl="1"/>
             <a:r>
+              <a:rPr lang="en-US" dirty="0" smtClean="0"/>
+              <a:t>Container </a:t>
+            </a:r>
+            <a:r>
               <a:rPr lang="en-US" dirty="0"/>
-              <a:t>Public Container – Blobs can be read and enumerated anonymously</a:t>
+              <a:t>– Blobs can be read and enumerated anonymously</a:t>
             </a:r>
           </a:p>
           <a:p>
             <a:pPr lvl="1"/>
             <a:r>
+              <a:rPr lang="en-US" dirty="0" smtClean="0"/>
+              <a:t>Blob </a:t>
+            </a:r>
+            <a:r>
               <a:rPr lang="en-US" dirty="0"/>
-              <a:t>Public Blob – Blobs can be read anonymously, but cannot be enumerated</a:t>
+              <a:t>– Blobs can be read anonymously, but cannot be enumerated</a:t>
             </a:r>
           </a:p>
           <a:p>
@@ -26589,7 +26441,7 @@
       </p:sp>
       <p:pic>
         <p:nvPicPr>
-          <p:cNvPr id="4" name="Picture 3"/>
+          <p:cNvPr id="5" name="Picture 4"/>
           <p:cNvPicPr>
             <a:picLocks noChangeAspect="1"/>
           </p:cNvPicPr>
@@ -26603,25 +26455,18 @@
         </p:blipFill>
         <p:spPr>
           <a:xfrm>
-            <a:off x="6581775" y="1825625"/>
-            <a:ext cx="4772025" cy="3343275"/>
+            <a:off x="3365621" y="3902075"/>
+            <a:ext cx="5572125" cy="2409825"/>
           </a:xfrm>
           <a:prstGeom prst="rect">
             <a:avLst/>
           </a:prstGeom>
-          <a:ln>
-            <a:solidFill>
-              <a:schemeClr val="bg2">
-                <a:lumMod val="75000"/>
-              </a:schemeClr>
-            </a:solidFill>
-          </a:ln>
         </p:spPr>
       </p:pic>
     </p:spTree>
     <p:extLst>
       <p:ext uri="{BB962C8B-B14F-4D97-AF65-F5344CB8AC3E}">
-        <p14:creationId xmlns:p14="http://schemas.microsoft.com/office/powerpoint/2010/main" val="2526734731"/>
+        <p14:creationId xmlns:p14="http://schemas.microsoft.com/office/powerpoint/2010/main" val="1722644631"/>
       </p:ext>
     </p:extLst>
   </p:cSld>
@@ -26983,7 +26828,23 @@
                   <a:schemeClr val="bg1"/>
                 </a:solidFill>
               </a:rPr>
-              <a:t>Up to 195 GB</a:t>
+              <a:t>Up to 4.75 </a:t>
+            </a:r>
+            <a:r>
+              <a:rPr lang="en-US" sz="2000" dirty="0">
+                <a:solidFill>
+                  <a:schemeClr val="bg1"/>
+                </a:solidFill>
+              </a:rPr>
+              <a:t>T</a:t>
+            </a:r>
+            <a:r>
+              <a:rPr lang="en-US" sz="2000" dirty="0" smtClean="0">
+                <a:solidFill>
+                  <a:schemeClr val="bg1"/>
+                </a:solidFill>
+              </a:rPr>
+              <a:t>B</a:t>
             </a:r>
           </a:p>
           <a:p>
